--- a/Single-Level Cache and Distribuited Cache - Ghergu Nicolae-Marius.pptx
+++ b/Single-Level Cache and Distribuited Cache - Ghergu Nicolae-Marius.pptx
@@ -30108,8 +30108,8 @@
         </p:blipFill>
         <p:spPr>
           <a:xfrm>
-            <a:off x="5845100" y="1273672"/>
-            <a:ext cx="2580700" cy="2596154"/>
+            <a:off x="5574968" y="923775"/>
+            <a:ext cx="3352800" cy="3238500"/>
           </a:xfrm>
           <a:prstGeom prst="rect">
             <a:avLst/>
@@ -30580,7 +30580,7 @@
             <a:tbl>
               <a:tblPr>
                 <a:noFill/>
-                <a:tableStyleId>{0DB810D9-09FB-4970-9FB7-00A9362734C6}</a:tableStyleId>
+                <a:tableStyleId>{89A95EB2-6470-4CD3-A1CD-BA55FEC7568B}</a:tableStyleId>
               </a:tblPr>
               <a:tblGrid>
                 <a:gridCol w="2619875"/>
